--- a/assets/kafka.pptx
+++ b/assets/kafka.pptx
@@ -209,7 +209,7 @@
           <a:p>
             <a:fld id="{A0DFCB26-B00C-4693-BA57-9547AD3C9DAA}" type="datetimeFigureOut">
               <a:rPr lang="zh-CN" altLang="en-US" smtClean="0"/>
-              <a:t>2018/7/13</a:t>
+              <a:t>2019/11/19</a:t>
             </a:fld>
             <a:endParaRPr lang="zh-CN" altLang="en-US"/>
           </a:p>
@@ -273,38 +273,37 @@
           <a:p>
             <a:pPr lvl="0"/>
             <a:r>
-              <a:rPr lang="zh-CN" altLang="en-US" smtClean="0"/>
+              <a:rPr lang="zh-CN" altLang="en-US"/>
               <a:t>单击此处编辑母版文本样式</a:t>
             </a:r>
           </a:p>
           <a:p>
             <a:pPr lvl="1"/>
             <a:r>
-              <a:rPr lang="zh-CN" altLang="en-US" smtClean="0"/>
+              <a:rPr lang="zh-CN" altLang="en-US"/>
               <a:t>第二级</a:t>
             </a:r>
           </a:p>
           <a:p>
             <a:pPr lvl="2"/>
             <a:r>
-              <a:rPr lang="zh-CN" altLang="en-US" smtClean="0"/>
+              <a:rPr lang="zh-CN" altLang="en-US"/>
               <a:t>第三级</a:t>
             </a:r>
           </a:p>
           <a:p>
             <a:pPr lvl="3"/>
             <a:r>
-              <a:rPr lang="zh-CN" altLang="en-US" smtClean="0"/>
+              <a:rPr lang="zh-CN" altLang="en-US"/>
               <a:t>第四级</a:t>
             </a:r>
           </a:p>
           <a:p>
             <a:pPr lvl="4"/>
             <a:r>
-              <a:rPr lang="zh-CN" altLang="en-US" smtClean="0"/>
+              <a:rPr lang="zh-CN" altLang="en-US"/>
               <a:t>第五级</a:t>
             </a:r>
-            <a:endParaRPr lang="zh-CN" altLang="en-US"/>
           </a:p>
         </p:txBody>
       </p:sp>
@@ -539,11 +538,11 @@
               <a:defRPr/>
             </a:pPr>
             <a:r>
-              <a:rPr lang="en-US" altLang="zh-CN" dirty="0" smtClean="0"/>
+              <a:rPr lang="en-US" altLang="zh-CN" dirty="0"/>
               <a:t>Kafka</a:t>
             </a:r>
             <a:r>
-              <a:rPr lang="zh-CN" altLang="en-US" sz="1200" b="0" kern="1200" smtClean="0">
+              <a:rPr lang="zh-CN" altLang="en-US" sz="1200" b="0" kern="1200">
                 <a:solidFill>
                   <a:schemeClr val="tx1"/>
                 </a:solidFill>
@@ -638,7 +637,7 @@
           <a:lstStyle/>
           <a:p>
             <a:r>
-              <a:rPr lang="en-US" altLang="zh-CN" b="1" dirty="0" smtClean="0">
+              <a:rPr lang="en-US" altLang="zh-CN" b="1" dirty="0">
                 <a:solidFill>
                   <a:srgbClr val="268BD2"/>
                 </a:solidFill>
@@ -647,7 +646,7 @@
               <a:t>Topic</a:t>
             </a:r>
             <a:r>
-              <a:rPr lang="zh-CN" altLang="en-US" b="1" dirty="0" smtClean="0">
+              <a:rPr lang="zh-CN" altLang="en-US" b="1" dirty="0">
                 <a:solidFill>
                   <a:srgbClr val="268BD2"/>
                 </a:solidFill>
@@ -743,10 +742,9 @@
           </a:lstStyle>
           <a:p>
             <a:r>
-              <a:rPr lang="zh-CN" altLang="en-US" smtClean="0"/>
+              <a:rPr lang="zh-CN" altLang="en-US"/>
               <a:t>单击此处编辑母版标题样式</a:t>
             </a:r>
-            <a:endParaRPr lang="zh-CN" altLang="en-US"/>
           </a:p>
         </p:txBody>
       </p:sp>
@@ -808,10 +806,9 @@
           </a:lstStyle>
           <a:p>
             <a:r>
-              <a:rPr lang="zh-CN" altLang="en-US" smtClean="0"/>
+              <a:rPr lang="zh-CN" altLang="en-US"/>
               <a:t>单击此处编辑母版副标题样式</a:t>
             </a:r>
-            <a:endParaRPr lang="zh-CN" altLang="en-US"/>
           </a:p>
         </p:txBody>
       </p:sp>
@@ -832,7 +829,7 @@
           <a:p>
             <a:fld id="{87008EA8-4774-4313-BA21-B22E00528E49}" type="datetimeFigureOut">
               <a:rPr lang="zh-CN" altLang="en-US" smtClean="0"/>
-              <a:t>2018/7/13</a:t>
+              <a:t>2019/11/19</a:t>
             </a:fld>
             <a:endParaRPr lang="zh-CN" altLang="en-US"/>
           </a:p>
@@ -926,10 +923,9 @@
           <a:lstStyle/>
           <a:p>
             <a:r>
-              <a:rPr lang="zh-CN" altLang="en-US" smtClean="0"/>
+              <a:rPr lang="zh-CN" altLang="en-US"/>
               <a:t>单击此处编辑母版标题样式</a:t>
             </a:r>
-            <a:endParaRPr lang="zh-CN" altLang="en-US"/>
           </a:p>
         </p:txBody>
       </p:sp>
@@ -950,38 +946,37 @@
           <a:p>
             <a:pPr lvl="0"/>
             <a:r>
-              <a:rPr lang="zh-CN" altLang="en-US" smtClean="0"/>
+              <a:rPr lang="zh-CN" altLang="en-US"/>
               <a:t>单击此处编辑母版文本样式</a:t>
             </a:r>
           </a:p>
           <a:p>
             <a:pPr lvl="1"/>
             <a:r>
-              <a:rPr lang="zh-CN" altLang="en-US" smtClean="0"/>
+              <a:rPr lang="zh-CN" altLang="en-US"/>
               <a:t>第二级</a:t>
             </a:r>
           </a:p>
           <a:p>
             <a:pPr lvl="2"/>
             <a:r>
-              <a:rPr lang="zh-CN" altLang="en-US" smtClean="0"/>
+              <a:rPr lang="zh-CN" altLang="en-US"/>
               <a:t>第三级</a:t>
             </a:r>
           </a:p>
           <a:p>
             <a:pPr lvl="3"/>
             <a:r>
-              <a:rPr lang="zh-CN" altLang="en-US" smtClean="0"/>
+              <a:rPr lang="zh-CN" altLang="en-US"/>
               <a:t>第四级</a:t>
             </a:r>
           </a:p>
           <a:p>
             <a:pPr lvl="4"/>
             <a:r>
-              <a:rPr lang="zh-CN" altLang="en-US" smtClean="0"/>
+              <a:rPr lang="zh-CN" altLang="en-US"/>
               <a:t>第五级</a:t>
             </a:r>
-            <a:endParaRPr lang="zh-CN" altLang="en-US"/>
           </a:p>
         </p:txBody>
       </p:sp>
@@ -1002,7 +997,7 @@
           <a:p>
             <a:fld id="{87008EA8-4774-4313-BA21-B22E00528E49}" type="datetimeFigureOut">
               <a:rPr lang="zh-CN" altLang="en-US" smtClean="0"/>
-              <a:t>2018/7/13</a:t>
+              <a:t>2019/11/19</a:t>
             </a:fld>
             <a:endParaRPr lang="zh-CN" altLang="en-US"/>
           </a:p>
@@ -1101,10 +1096,9 @@
           <a:lstStyle/>
           <a:p>
             <a:r>
-              <a:rPr lang="zh-CN" altLang="en-US" smtClean="0"/>
+              <a:rPr lang="zh-CN" altLang="en-US"/>
               <a:t>单击此处编辑母版标题样式</a:t>
             </a:r>
-            <a:endParaRPr lang="zh-CN" altLang="en-US"/>
           </a:p>
         </p:txBody>
       </p:sp>
@@ -1130,38 +1124,37 @@
           <a:p>
             <a:pPr lvl="0"/>
             <a:r>
-              <a:rPr lang="zh-CN" altLang="en-US" smtClean="0"/>
+              <a:rPr lang="zh-CN" altLang="en-US"/>
               <a:t>单击此处编辑母版文本样式</a:t>
             </a:r>
           </a:p>
           <a:p>
             <a:pPr lvl="1"/>
             <a:r>
-              <a:rPr lang="zh-CN" altLang="en-US" smtClean="0"/>
+              <a:rPr lang="zh-CN" altLang="en-US"/>
               <a:t>第二级</a:t>
             </a:r>
           </a:p>
           <a:p>
             <a:pPr lvl="2"/>
             <a:r>
-              <a:rPr lang="zh-CN" altLang="en-US" smtClean="0"/>
+              <a:rPr lang="zh-CN" altLang="en-US"/>
               <a:t>第三级</a:t>
             </a:r>
           </a:p>
           <a:p>
             <a:pPr lvl="3"/>
             <a:r>
-              <a:rPr lang="zh-CN" altLang="en-US" smtClean="0"/>
+              <a:rPr lang="zh-CN" altLang="en-US"/>
               <a:t>第四级</a:t>
             </a:r>
           </a:p>
           <a:p>
             <a:pPr lvl="4"/>
             <a:r>
-              <a:rPr lang="zh-CN" altLang="en-US" smtClean="0"/>
+              <a:rPr lang="zh-CN" altLang="en-US"/>
               <a:t>第五级</a:t>
             </a:r>
-            <a:endParaRPr lang="zh-CN" altLang="en-US"/>
           </a:p>
         </p:txBody>
       </p:sp>
@@ -1182,7 +1175,7 @@
           <a:p>
             <a:fld id="{87008EA8-4774-4313-BA21-B22E00528E49}" type="datetimeFigureOut">
               <a:rPr lang="zh-CN" altLang="en-US" smtClean="0"/>
-              <a:t>2018/7/13</a:t>
+              <a:t>2019/11/19</a:t>
             </a:fld>
             <a:endParaRPr lang="zh-CN" altLang="en-US"/>
           </a:p>
@@ -1276,10 +1269,9 @@
           <a:lstStyle/>
           <a:p>
             <a:r>
-              <a:rPr lang="zh-CN" altLang="en-US" smtClean="0"/>
+              <a:rPr lang="zh-CN" altLang="en-US"/>
               <a:t>单击此处编辑母版标题样式</a:t>
             </a:r>
-            <a:endParaRPr lang="zh-CN" altLang="en-US"/>
           </a:p>
         </p:txBody>
       </p:sp>
@@ -1300,38 +1292,37 @@
           <a:p>
             <a:pPr lvl="0"/>
             <a:r>
-              <a:rPr lang="zh-CN" altLang="en-US" smtClean="0"/>
+              <a:rPr lang="zh-CN" altLang="en-US"/>
               <a:t>单击此处编辑母版文本样式</a:t>
             </a:r>
           </a:p>
           <a:p>
             <a:pPr lvl="1"/>
             <a:r>
-              <a:rPr lang="zh-CN" altLang="en-US" smtClean="0"/>
+              <a:rPr lang="zh-CN" altLang="en-US"/>
               <a:t>第二级</a:t>
             </a:r>
           </a:p>
           <a:p>
             <a:pPr lvl="2"/>
             <a:r>
-              <a:rPr lang="zh-CN" altLang="en-US" smtClean="0"/>
+              <a:rPr lang="zh-CN" altLang="en-US"/>
               <a:t>第三级</a:t>
             </a:r>
           </a:p>
           <a:p>
             <a:pPr lvl="3"/>
             <a:r>
-              <a:rPr lang="zh-CN" altLang="en-US" smtClean="0"/>
+              <a:rPr lang="zh-CN" altLang="en-US"/>
               <a:t>第四级</a:t>
             </a:r>
           </a:p>
           <a:p>
             <a:pPr lvl="4"/>
             <a:r>
-              <a:rPr lang="zh-CN" altLang="en-US" smtClean="0"/>
+              <a:rPr lang="zh-CN" altLang="en-US"/>
               <a:t>第五级</a:t>
             </a:r>
-            <a:endParaRPr lang="zh-CN" altLang="en-US"/>
           </a:p>
         </p:txBody>
       </p:sp>
@@ -1352,7 +1343,7 @@
           <a:p>
             <a:fld id="{87008EA8-4774-4313-BA21-B22E00528E49}" type="datetimeFigureOut">
               <a:rPr lang="zh-CN" altLang="en-US" smtClean="0"/>
-              <a:t>2018/7/13</a:t>
+              <a:t>2019/11/19</a:t>
             </a:fld>
             <a:endParaRPr lang="zh-CN" altLang="en-US"/>
           </a:p>
@@ -1455,10 +1446,9 @@
           </a:lstStyle>
           <a:p>
             <a:r>
-              <a:rPr lang="zh-CN" altLang="en-US" smtClean="0"/>
+              <a:rPr lang="zh-CN" altLang="en-US"/>
               <a:t>单击此处编辑母版标题样式</a:t>
             </a:r>
-            <a:endParaRPr lang="zh-CN" altLang="en-US"/>
           </a:p>
         </p:txBody>
       </p:sp>
@@ -1575,7 +1565,7 @@
           <a:p>
             <a:pPr lvl="0"/>
             <a:r>
-              <a:rPr lang="zh-CN" altLang="en-US" smtClean="0"/>
+              <a:rPr lang="zh-CN" altLang="en-US"/>
               <a:t>单击此处编辑母版文本样式</a:t>
             </a:r>
           </a:p>
@@ -1598,7 +1588,7 @@
           <a:p>
             <a:fld id="{87008EA8-4774-4313-BA21-B22E00528E49}" type="datetimeFigureOut">
               <a:rPr lang="zh-CN" altLang="en-US" smtClean="0"/>
-              <a:t>2018/7/13</a:t>
+              <a:t>2019/11/19</a:t>
             </a:fld>
             <a:endParaRPr lang="zh-CN" altLang="en-US"/>
           </a:p>
@@ -1692,10 +1682,9 @@
           <a:lstStyle/>
           <a:p>
             <a:r>
-              <a:rPr lang="zh-CN" altLang="en-US" smtClean="0"/>
+              <a:rPr lang="zh-CN" altLang="en-US"/>
               <a:t>单击此处编辑母版标题样式</a:t>
             </a:r>
-            <a:endParaRPr lang="zh-CN" altLang="en-US"/>
           </a:p>
         </p:txBody>
       </p:sp>
@@ -1721,38 +1710,37 @@
           <a:p>
             <a:pPr lvl="0"/>
             <a:r>
-              <a:rPr lang="zh-CN" altLang="en-US" smtClean="0"/>
+              <a:rPr lang="zh-CN" altLang="en-US"/>
               <a:t>单击此处编辑母版文本样式</a:t>
             </a:r>
           </a:p>
           <a:p>
             <a:pPr lvl="1"/>
             <a:r>
-              <a:rPr lang="zh-CN" altLang="en-US" smtClean="0"/>
+              <a:rPr lang="zh-CN" altLang="en-US"/>
               <a:t>第二级</a:t>
             </a:r>
           </a:p>
           <a:p>
             <a:pPr lvl="2"/>
             <a:r>
-              <a:rPr lang="zh-CN" altLang="en-US" smtClean="0"/>
+              <a:rPr lang="zh-CN" altLang="en-US"/>
               <a:t>第三级</a:t>
             </a:r>
           </a:p>
           <a:p>
             <a:pPr lvl="3"/>
             <a:r>
-              <a:rPr lang="zh-CN" altLang="en-US" smtClean="0"/>
+              <a:rPr lang="zh-CN" altLang="en-US"/>
               <a:t>第四级</a:t>
             </a:r>
           </a:p>
           <a:p>
             <a:pPr lvl="4"/>
             <a:r>
-              <a:rPr lang="zh-CN" altLang="en-US" smtClean="0"/>
+              <a:rPr lang="zh-CN" altLang="en-US"/>
               <a:t>第五级</a:t>
             </a:r>
-            <a:endParaRPr lang="zh-CN" altLang="en-US"/>
           </a:p>
         </p:txBody>
       </p:sp>
@@ -1778,38 +1766,37 @@
           <a:p>
             <a:pPr lvl="0"/>
             <a:r>
-              <a:rPr lang="zh-CN" altLang="en-US" smtClean="0"/>
+              <a:rPr lang="zh-CN" altLang="en-US"/>
               <a:t>单击此处编辑母版文本样式</a:t>
             </a:r>
           </a:p>
           <a:p>
             <a:pPr lvl="1"/>
             <a:r>
-              <a:rPr lang="zh-CN" altLang="en-US" smtClean="0"/>
+              <a:rPr lang="zh-CN" altLang="en-US"/>
               <a:t>第二级</a:t>
             </a:r>
           </a:p>
           <a:p>
             <a:pPr lvl="2"/>
             <a:r>
-              <a:rPr lang="zh-CN" altLang="en-US" smtClean="0"/>
+              <a:rPr lang="zh-CN" altLang="en-US"/>
               <a:t>第三级</a:t>
             </a:r>
           </a:p>
           <a:p>
             <a:pPr lvl="3"/>
             <a:r>
-              <a:rPr lang="zh-CN" altLang="en-US" smtClean="0"/>
+              <a:rPr lang="zh-CN" altLang="en-US"/>
               <a:t>第四级</a:t>
             </a:r>
           </a:p>
           <a:p>
             <a:pPr lvl="4"/>
             <a:r>
-              <a:rPr lang="zh-CN" altLang="en-US" smtClean="0"/>
+              <a:rPr lang="zh-CN" altLang="en-US"/>
               <a:t>第五级</a:t>
             </a:r>
-            <a:endParaRPr lang="zh-CN" altLang="en-US"/>
           </a:p>
         </p:txBody>
       </p:sp>
@@ -1830,7 +1817,7 @@
           <a:p>
             <a:fld id="{87008EA8-4774-4313-BA21-B22E00528E49}" type="datetimeFigureOut">
               <a:rPr lang="zh-CN" altLang="en-US" smtClean="0"/>
-              <a:t>2018/7/13</a:t>
+              <a:t>2019/11/19</a:t>
             </a:fld>
             <a:endParaRPr lang="zh-CN" altLang="en-US"/>
           </a:p>
@@ -1929,10 +1916,9 @@
           <a:lstStyle/>
           <a:p>
             <a:r>
-              <a:rPr lang="zh-CN" altLang="en-US" smtClean="0"/>
+              <a:rPr lang="zh-CN" altLang="en-US"/>
               <a:t>单击此处编辑母版标题样式</a:t>
             </a:r>
-            <a:endParaRPr lang="zh-CN" altLang="en-US"/>
           </a:p>
         </p:txBody>
       </p:sp>
@@ -1995,7 +1981,7 @@
           <a:p>
             <a:pPr lvl="0"/>
             <a:r>
-              <a:rPr lang="zh-CN" altLang="en-US" smtClean="0"/>
+              <a:rPr lang="zh-CN" altLang="en-US"/>
               <a:t>单击此处编辑母版文本样式</a:t>
             </a:r>
           </a:p>
@@ -2023,38 +2009,37 @@
           <a:p>
             <a:pPr lvl="0"/>
             <a:r>
-              <a:rPr lang="zh-CN" altLang="en-US" smtClean="0"/>
+              <a:rPr lang="zh-CN" altLang="en-US"/>
               <a:t>单击此处编辑母版文本样式</a:t>
             </a:r>
           </a:p>
           <a:p>
             <a:pPr lvl="1"/>
             <a:r>
-              <a:rPr lang="zh-CN" altLang="en-US" smtClean="0"/>
+              <a:rPr lang="zh-CN" altLang="en-US"/>
               <a:t>第二级</a:t>
             </a:r>
           </a:p>
           <a:p>
             <a:pPr lvl="2"/>
             <a:r>
-              <a:rPr lang="zh-CN" altLang="en-US" smtClean="0"/>
+              <a:rPr lang="zh-CN" altLang="en-US"/>
               <a:t>第三级</a:t>
             </a:r>
           </a:p>
           <a:p>
             <a:pPr lvl="3"/>
             <a:r>
-              <a:rPr lang="zh-CN" altLang="en-US" smtClean="0"/>
+              <a:rPr lang="zh-CN" altLang="en-US"/>
               <a:t>第四级</a:t>
             </a:r>
           </a:p>
           <a:p>
             <a:pPr lvl="4"/>
             <a:r>
-              <a:rPr lang="zh-CN" altLang="en-US" smtClean="0"/>
+              <a:rPr lang="zh-CN" altLang="en-US"/>
               <a:t>第五级</a:t>
             </a:r>
-            <a:endParaRPr lang="zh-CN" altLang="en-US"/>
           </a:p>
         </p:txBody>
       </p:sp>
@@ -2117,7 +2102,7 @@
           <a:p>
             <a:pPr lvl="0"/>
             <a:r>
-              <a:rPr lang="zh-CN" altLang="en-US" smtClean="0"/>
+              <a:rPr lang="zh-CN" altLang="en-US"/>
               <a:t>单击此处编辑母版文本样式</a:t>
             </a:r>
           </a:p>
@@ -2145,38 +2130,37 @@
           <a:p>
             <a:pPr lvl="0"/>
             <a:r>
-              <a:rPr lang="zh-CN" altLang="en-US" smtClean="0"/>
+              <a:rPr lang="zh-CN" altLang="en-US"/>
               <a:t>单击此处编辑母版文本样式</a:t>
             </a:r>
           </a:p>
           <a:p>
             <a:pPr lvl="1"/>
             <a:r>
-              <a:rPr lang="zh-CN" altLang="en-US" smtClean="0"/>
+              <a:rPr lang="zh-CN" altLang="en-US"/>
               <a:t>第二级</a:t>
             </a:r>
           </a:p>
           <a:p>
             <a:pPr lvl="2"/>
             <a:r>
-              <a:rPr lang="zh-CN" altLang="en-US" smtClean="0"/>
+              <a:rPr lang="zh-CN" altLang="en-US"/>
               <a:t>第三级</a:t>
             </a:r>
           </a:p>
           <a:p>
             <a:pPr lvl="3"/>
             <a:r>
-              <a:rPr lang="zh-CN" altLang="en-US" smtClean="0"/>
+              <a:rPr lang="zh-CN" altLang="en-US"/>
               <a:t>第四级</a:t>
             </a:r>
           </a:p>
           <a:p>
             <a:pPr lvl="4"/>
             <a:r>
-              <a:rPr lang="zh-CN" altLang="en-US" smtClean="0"/>
+              <a:rPr lang="zh-CN" altLang="en-US"/>
               <a:t>第五级</a:t>
             </a:r>
-            <a:endParaRPr lang="zh-CN" altLang="en-US"/>
           </a:p>
         </p:txBody>
       </p:sp>
@@ -2197,7 +2181,7 @@
           <a:p>
             <a:fld id="{87008EA8-4774-4313-BA21-B22E00528E49}" type="datetimeFigureOut">
               <a:rPr lang="zh-CN" altLang="en-US" smtClean="0"/>
-              <a:t>2018/7/13</a:t>
+              <a:t>2019/11/19</a:t>
             </a:fld>
             <a:endParaRPr lang="zh-CN" altLang="en-US"/>
           </a:p>
@@ -2291,10 +2275,9 @@
           <a:lstStyle/>
           <a:p>
             <a:r>
-              <a:rPr lang="zh-CN" altLang="en-US" smtClean="0"/>
+              <a:rPr lang="zh-CN" altLang="en-US"/>
               <a:t>单击此处编辑母版标题样式</a:t>
             </a:r>
-            <a:endParaRPr lang="zh-CN" altLang="en-US"/>
           </a:p>
         </p:txBody>
       </p:sp>
@@ -2315,7 +2298,7 @@
           <a:p>
             <a:fld id="{87008EA8-4774-4313-BA21-B22E00528E49}" type="datetimeFigureOut">
               <a:rPr lang="zh-CN" altLang="en-US" smtClean="0"/>
-              <a:t>2018/7/13</a:t>
+              <a:t>2019/11/19</a:t>
             </a:fld>
             <a:endParaRPr lang="zh-CN" altLang="en-US"/>
           </a:p>
@@ -2410,7 +2393,7 @@
           <a:p>
             <a:fld id="{87008EA8-4774-4313-BA21-B22E00528E49}" type="datetimeFigureOut">
               <a:rPr lang="zh-CN" altLang="en-US" smtClean="0"/>
-              <a:t>2018/7/13</a:t>
+              <a:t>2019/11/19</a:t>
             </a:fld>
             <a:endParaRPr lang="zh-CN" altLang="en-US"/>
           </a:p>
@@ -2513,10 +2496,9 @@
           </a:lstStyle>
           <a:p>
             <a:r>
-              <a:rPr lang="zh-CN" altLang="en-US" smtClean="0"/>
+              <a:rPr lang="zh-CN" altLang="en-US"/>
               <a:t>单击此处编辑母版标题样式</a:t>
             </a:r>
-            <a:endParaRPr lang="zh-CN" altLang="en-US"/>
           </a:p>
         </p:txBody>
       </p:sp>
@@ -2570,38 +2552,37 @@
           <a:p>
             <a:pPr lvl="0"/>
             <a:r>
-              <a:rPr lang="zh-CN" altLang="en-US" smtClean="0"/>
+              <a:rPr lang="zh-CN" altLang="en-US"/>
               <a:t>单击此处编辑母版文本样式</a:t>
             </a:r>
           </a:p>
           <a:p>
             <a:pPr lvl="1"/>
             <a:r>
-              <a:rPr lang="zh-CN" altLang="en-US" smtClean="0"/>
+              <a:rPr lang="zh-CN" altLang="en-US"/>
               <a:t>第二级</a:t>
             </a:r>
           </a:p>
           <a:p>
             <a:pPr lvl="2"/>
             <a:r>
-              <a:rPr lang="zh-CN" altLang="en-US" smtClean="0"/>
+              <a:rPr lang="zh-CN" altLang="en-US"/>
               <a:t>第三级</a:t>
             </a:r>
           </a:p>
           <a:p>
             <a:pPr lvl="3"/>
             <a:r>
-              <a:rPr lang="zh-CN" altLang="en-US" smtClean="0"/>
+              <a:rPr lang="zh-CN" altLang="en-US"/>
               <a:t>第四级</a:t>
             </a:r>
           </a:p>
           <a:p>
             <a:pPr lvl="4"/>
             <a:r>
-              <a:rPr lang="zh-CN" altLang="en-US" smtClean="0"/>
+              <a:rPr lang="zh-CN" altLang="en-US"/>
               <a:t>第五级</a:t>
             </a:r>
-            <a:endParaRPr lang="zh-CN" altLang="en-US"/>
           </a:p>
         </p:txBody>
       </p:sp>
@@ -2664,7 +2645,7 @@
           <a:p>
             <a:pPr lvl="0"/>
             <a:r>
-              <a:rPr lang="zh-CN" altLang="en-US" smtClean="0"/>
+              <a:rPr lang="zh-CN" altLang="en-US"/>
               <a:t>单击此处编辑母版文本样式</a:t>
             </a:r>
           </a:p>
@@ -2687,7 +2668,7 @@
           <a:p>
             <a:fld id="{87008EA8-4774-4313-BA21-B22E00528E49}" type="datetimeFigureOut">
               <a:rPr lang="zh-CN" altLang="en-US" smtClean="0"/>
-              <a:t>2018/7/13</a:t>
+              <a:t>2019/11/19</a:t>
             </a:fld>
             <a:endParaRPr lang="zh-CN" altLang="en-US"/>
           </a:p>
@@ -2790,10 +2771,9 @@
           </a:lstStyle>
           <a:p>
             <a:r>
-              <a:rPr lang="zh-CN" altLang="en-US" smtClean="0"/>
+              <a:rPr lang="zh-CN" altLang="en-US"/>
               <a:t>单击此处编辑母版标题样式</a:t>
             </a:r>
-            <a:endParaRPr lang="zh-CN" altLang="en-US"/>
           </a:p>
         </p:txBody>
       </p:sp>
@@ -2917,7 +2897,7 @@
           <a:p>
             <a:pPr lvl="0"/>
             <a:r>
-              <a:rPr lang="zh-CN" altLang="en-US" smtClean="0"/>
+              <a:rPr lang="zh-CN" altLang="en-US"/>
               <a:t>单击此处编辑母版文本样式</a:t>
             </a:r>
           </a:p>
@@ -2940,7 +2920,7 @@
           <a:p>
             <a:fld id="{87008EA8-4774-4313-BA21-B22E00528E49}" type="datetimeFigureOut">
               <a:rPr lang="zh-CN" altLang="en-US" smtClean="0"/>
-              <a:t>2018/7/13</a:t>
+              <a:t>2019/11/19</a:t>
             </a:fld>
             <a:endParaRPr lang="zh-CN" altLang="en-US"/>
           </a:p>
@@ -3049,10 +3029,9 @@
           <a:lstStyle/>
           <a:p>
             <a:r>
-              <a:rPr lang="zh-CN" altLang="en-US" smtClean="0"/>
+              <a:rPr lang="zh-CN" altLang="en-US"/>
               <a:t>单击此处编辑母版标题样式</a:t>
             </a:r>
-            <a:endParaRPr lang="zh-CN" altLang="en-US"/>
           </a:p>
         </p:txBody>
       </p:sp>
@@ -3083,38 +3062,37 @@
           <a:p>
             <a:pPr lvl="0"/>
             <a:r>
-              <a:rPr lang="zh-CN" altLang="en-US" smtClean="0"/>
+              <a:rPr lang="zh-CN" altLang="en-US"/>
               <a:t>单击此处编辑母版文本样式</a:t>
             </a:r>
           </a:p>
           <a:p>
             <a:pPr lvl="1"/>
             <a:r>
-              <a:rPr lang="zh-CN" altLang="en-US" smtClean="0"/>
+              <a:rPr lang="zh-CN" altLang="en-US"/>
               <a:t>第二级</a:t>
             </a:r>
           </a:p>
           <a:p>
             <a:pPr lvl="2"/>
             <a:r>
-              <a:rPr lang="zh-CN" altLang="en-US" smtClean="0"/>
+              <a:rPr lang="zh-CN" altLang="en-US"/>
               <a:t>第三级</a:t>
             </a:r>
           </a:p>
           <a:p>
             <a:pPr lvl="3"/>
             <a:r>
-              <a:rPr lang="zh-CN" altLang="en-US" smtClean="0"/>
+              <a:rPr lang="zh-CN" altLang="en-US"/>
               <a:t>第四级</a:t>
             </a:r>
           </a:p>
           <a:p>
             <a:pPr lvl="4"/>
             <a:r>
-              <a:rPr lang="zh-CN" altLang="en-US" smtClean="0"/>
+              <a:rPr lang="zh-CN" altLang="en-US"/>
               <a:t>第五级</a:t>
             </a:r>
-            <a:endParaRPr lang="zh-CN" altLang="en-US"/>
           </a:p>
         </p:txBody>
       </p:sp>
@@ -3153,7 +3131,7 @@
           <a:p>
             <a:fld id="{87008EA8-4774-4313-BA21-B22E00528E49}" type="datetimeFigureOut">
               <a:rPr lang="zh-CN" altLang="en-US" smtClean="0"/>
-              <a:t>2018/7/13</a:t>
+              <a:t>2019/11/19</a:t>
             </a:fld>
             <a:endParaRPr lang="zh-CN" altLang="en-US"/>
           </a:p>
@@ -3639,7 +3617,7 @@
             <p:spPr>
               <a:xfrm>
                 <a:off x="961873" y="4274775"/>
-                <a:ext cx="908050" cy="360000"/>
+                <a:ext cx="933394" cy="360000"/>
               </a:xfrm>
               <a:prstGeom prst="flowChartAlternateProcess">
                 <a:avLst/>
@@ -3667,8 +3645,8 @@
               <a:p>
                 <a:pPr algn="ctr"/>
                 <a:r>
-                  <a:rPr lang="en-US" altLang="zh-CN" sz="1200" dirty="0" smtClean="0"/>
-                  <a:t>Customer1</a:t>
+                  <a:rPr lang="en-US" altLang="zh-CN" sz="1200" dirty="0"/>
+                  <a:t>Consumer1</a:t>
                 </a:r>
                 <a:endParaRPr lang="zh-CN" altLang="en-US" sz="1200" dirty="0"/>
               </a:p>
@@ -3682,8 +3660,8 @@
             </p:nvSpPr>
             <p:spPr>
               <a:xfrm>
-                <a:off x="2090621" y="4263554"/>
-                <a:ext cx="908050" cy="360000"/>
+                <a:off x="2065277" y="4263554"/>
+                <a:ext cx="933394" cy="360000"/>
               </a:xfrm>
               <a:prstGeom prst="flowChartAlternateProcess">
                 <a:avLst/>
@@ -3711,8 +3689,8 @@
               <a:p>
                 <a:pPr algn="ctr"/>
                 <a:r>
-                  <a:rPr lang="en-US" altLang="zh-CN" sz="1200" dirty="0" smtClean="0"/>
-                  <a:t>Customer2</a:t>
+                  <a:rPr lang="en-US" altLang="zh-CN" sz="1200" dirty="0"/>
+                  <a:t>Consumer2</a:t>
                 </a:r>
                 <a:endParaRPr lang="zh-CN" altLang="en-US" sz="1200" dirty="0"/>
               </a:p>
@@ -3727,7 +3705,7 @@
             <p:spPr>
               <a:xfrm>
                 <a:off x="897094" y="4695561"/>
-                <a:ext cx="2197140" cy="307777"/>
+                <a:ext cx="2234522" cy="307777"/>
               </a:xfrm>
               <a:prstGeom prst="rect">
                 <a:avLst/>
@@ -3745,8 +3723,8 @@
               <a:lstStyle/>
               <a:p>
                 <a:r>
-                  <a:rPr lang="en-US" altLang="zh-CN" sz="1400" dirty="0" smtClean="0"/>
-                  <a:t>Customer group2 for topic2</a:t>
+                  <a:rPr lang="en-US" altLang="zh-CN" sz="1400" dirty="0"/>
+                  <a:t>Consumer group2 for topic2</a:t>
                 </a:r>
                 <a:endParaRPr lang="zh-CN" altLang="en-US" sz="1400" dirty="0"/>
               </a:p>
@@ -3819,8 +3797,8 @@
             </p:nvSpPr>
             <p:spPr>
               <a:xfrm>
-                <a:off x="961873" y="4274775"/>
-                <a:ext cx="908050" cy="360000"/>
+                <a:off x="931758" y="4269673"/>
+                <a:ext cx="952806" cy="360000"/>
               </a:xfrm>
               <a:prstGeom prst="flowChartAlternateProcess">
                 <a:avLst/>
@@ -3848,8 +3826,8 @@
               <a:p>
                 <a:pPr algn="ctr"/>
                 <a:r>
-                  <a:rPr lang="en-US" altLang="zh-CN" sz="1200" dirty="0" smtClean="0"/>
-                  <a:t>Customer1</a:t>
+                  <a:rPr lang="en-US" altLang="zh-CN" sz="1200" dirty="0"/>
+                  <a:t>Consumer1</a:t>
                 </a:r>
                 <a:endParaRPr lang="zh-CN" altLang="en-US" sz="1200" dirty="0"/>
               </a:p>
@@ -3864,7 +3842,7 @@
             <p:spPr>
               <a:xfrm>
                 <a:off x="2090621" y="4263554"/>
-                <a:ext cx="908050" cy="360000"/>
+                <a:ext cx="952806" cy="360000"/>
               </a:xfrm>
               <a:prstGeom prst="flowChartAlternateProcess">
                 <a:avLst/>
@@ -3892,8 +3870,8 @@
               <a:p>
                 <a:pPr algn="ctr"/>
                 <a:r>
-                  <a:rPr lang="en-US" altLang="zh-CN" sz="1200" dirty="0" smtClean="0"/>
-                  <a:t>Customer2</a:t>
+                  <a:rPr lang="en-US" altLang="zh-CN" sz="1200" dirty="0"/>
+                  <a:t>Consumer2</a:t>
                 </a:r>
                 <a:endParaRPr lang="zh-CN" altLang="en-US" sz="1200" dirty="0"/>
               </a:p>
@@ -3908,7 +3886,7 @@
             <p:spPr>
               <a:xfrm>
                 <a:off x="897094" y="4695561"/>
-                <a:ext cx="2197140" cy="307777"/>
+                <a:ext cx="2234522" cy="307777"/>
               </a:xfrm>
               <a:prstGeom prst="rect">
                 <a:avLst/>
@@ -3926,8 +3904,8 @@
               <a:lstStyle/>
               <a:p>
                 <a:r>
-                  <a:rPr lang="en-US" altLang="zh-CN" sz="1400" dirty="0" smtClean="0"/>
-                  <a:t>Customer group1 for topic1</a:t>
+                  <a:rPr lang="en-US" altLang="zh-CN" sz="1400" dirty="0"/>
+                  <a:t>Consumer group1 for topic1</a:t>
                 </a:r>
                 <a:endParaRPr lang="zh-CN" altLang="en-US" sz="1400" dirty="0"/>
               </a:p>
@@ -3997,7 +3975,7 @@
                 <a:p>
                   <a:pPr algn="ctr"/>
                   <a:r>
-                    <a:rPr lang="en-US" altLang="zh-CN" sz="1600" dirty="0" smtClean="0"/>
+                    <a:rPr lang="en-US" altLang="zh-CN" sz="1600" dirty="0"/>
                     <a:t>Broker1</a:t>
                   </a:r>
                   <a:endParaRPr lang="zh-CN" altLang="en-US" sz="1600" dirty="0"/>
@@ -4060,10 +4038,9 @@
                   <a:lstStyle/>
                   <a:p>
                     <a:r>
-                      <a:rPr lang="en-US" altLang="zh-CN" sz="1200" dirty="0" smtClean="0"/>
+                      <a:rPr lang="en-US" altLang="zh-CN" sz="1200" dirty="0"/>
                       <a:t>Partition0</a:t>
                     </a:r>
-                    <a:endParaRPr lang="en-US" altLang="zh-CN" sz="1200" dirty="0"/>
                   </a:p>
                 </p:txBody>
               </p:sp>
@@ -4109,10 +4086,9 @@
                   <a:lstStyle/>
                   <a:p>
                     <a:r>
-                      <a:rPr lang="en-US" altLang="zh-CN" sz="1200" dirty="0" smtClean="0"/>
+                      <a:rPr lang="en-US" altLang="zh-CN" sz="1200" dirty="0"/>
                       <a:t>Partition0</a:t>
                     </a:r>
-                    <a:endParaRPr lang="en-US" altLang="zh-CN" sz="1200" dirty="0"/>
                   </a:p>
                 </p:txBody>
               </p:sp>
@@ -4139,7 +4115,7 @@
                   <a:lstStyle/>
                   <a:p>
                     <a:r>
-                      <a:rPr lang="en-US" altLang="zh-CN" sz="1400" dirty="0" smtClean="0"/>
+                      <a:rPr lang="en-US" altLang="zh-CN" sz="1400" dirty="0"/>
                       <a:t>Topic1</a:t>
                     </a:r>
                   </a:p>
@@ -4168,7 +4144,7 @@
                   <a:lstStyle/>
                   <a:p>
                     <a:r>
-                      <a:rPr lang="en-US" altLang="zh-CN" sz="1400" dirty="0" smtClean="0"/>
+                      <a:rPr lang="en-US" altLang="zh-CN" sz="1400" dirty="0"/>
                       <a:t>Topic2</a:t>
                     </a:r>
                   </a:p>
@@ -4198,7 +4174,7 @@
                 <a:lstStyle/>
                 <a:p>
                   <a:r>
-                    <a:rPr lang="en-US" altLang="zh-CN" sz="1400" dirty="0" smtClean="0">
+                    <a:rPr lang="en-US" altLang="zh-CN" sz="1400" dirty="0">
                       <a:solidFill>
                         <a:srgbClr val="FF0000"/>
                       </a:solidFill>
@@ -4263,7 +4239,7 @@
                 <a:p>
                   <a:pPr algn="ctr"/>
                   <a:r>
-                    <a:rPr lang="en-US" altLang="zh-CN" sz="1600" dirty="0" smtClean="0"/>
+                    <a:rPr lang="en-US" altLang="zh-CN" sz="1600" dirty="0"/>
                     <a:t>Broker2</a:t>
                   </a:r>
                   <a:endParaRPr lang="zh-CN" altLang="en-US" sz="1600" dirty="0"/>
@@ -4326,10 +4302,9 @@
                   <a:lstStyle/>
                   <a:p>
                     <a:r>
-                      <a:rPr lang="en-US" altLang="zh-CN" sz="1200" dirty="0" smtClean="0"/>
+                      <a:rPr lang="en-US" altLang="zh-CN" sz="1200" dirty="0"/>
                       <a:t>Partition0</a:t>
                     </a:r>
-                    <a:endParaRPr lang="en-US" altLang="zh-CN" sz="1200" dirty="0"/>
                   </a:p>
                 </p:txBody>
               </p:sp>
@@ -4375,10 +4350,9 @@
                   <a:lstStyle/>
                   <a:p>
                     <a:r>
-                      <a:rPr lang="en-US" altLang="zh-CN" sz="1200" dirty="0" smtClean="0"/>
+                      <a:rPr lang="en-US" altLang="zh-CN" sz="1200" dirty="0"/>
                       <a:t>Partition0</a:t>
                     </a:r>
-                    <a:endParaRPr lang="en-US" altLang="zh-CN" sz="1200" dirty="0"/>
                   </a:p>
                 </p:txBody>
               </p:sp>
@@ -4405,7 +4379,7 @@
                   <a:lstStyle/>
                   <a:p>
                     <a:r>
-                      <a:rPr lang="en-US" altLang="zh-CN" sz="1400" dirty="0" smtClean="0"/>
+                      <a:rPr lang="en-US" altLang="zh-CN" sz="1400" dirty="0"/>
                       <a:t>Topic1</a:t>
                     </a:r>
                   </a:p>
@@ -4434,7 +4408,7 @@
                   <a:lstStyle/>
                   <a:p>
                     <a:r>
-                      <a:rPr lang="en-US" altLang="zh-CN" sz="1400" dirty="0" smtClean="0"/>
+                      <a:rPr lang="en-US" altLang="zh-CN" sz="1400" dirty="0"/>
                       <a:t>Topic2</a:t>
                     </a:r>
                   </a:p>
@@ -4464,7 +4438,7 @@
                 <a:lstStyle/>
                 <a:p>
                   <a:r>
-                    <a:rPr lang="en-US" altLang="zh-CN" sz="1400" dirty="0" smtClean="0">
+                    <a:rPr lang="en-US" altLang="zh-CN" sz="1400" dirty="0">
                       <a:solidFill>
                         <a:srgbClr val="FF0000"/>
                       </a:solidFill>
@@ -4529,7 +4503,7 @@
                 <a:p>
                   <a:pPr algn="ctr"/>
                   <a:r>
-                    <a:rPr lang="en-US" altLang="zh-CN" sz="1600" dirty="0" smtClean="0"/>
+                    <a:rPr lang="en-US" altLang="zh-CN" sz="1600" dirty="0"/>
                     <a:t>Broker3</a:t>
                   </a:r>
                   <a:endParaRPr lang="zh-CN" altLang="en-US" sz="1600" dirty="0"/>
@@ -4592,10 +4566,9 @@
                   <a:lstStyle/>
                   <a:p>
                     <a:r>
-                      <a:rPr lang="en-US" altLang="zh-CN" sz="1200" dirty="0" smtClean="0"/>
+                      <a:rPr lang="en-US" altLang="zh-CN" sz="1200" dirty="0"/>
                       <a:t>Partition1</a:t>
                     </a:r>
-                    <a:endParaRPr lang="en-US" altLang="zh-CN" sz="1200" dirty="0"/>
                   </a:p>
                 </p:txBody>
               </p:sp>
@@ -4641,10 +4614,9 @@
                   <a:lstStyle/>
                   <a:p>
                     <a:r>
-                      <a:rPr lang="en-US" altLang="zh-CN" sz="1200" dirty="0" smtClean="0"/>
+                      <a:rPr lang="en-US" altLang="zh-CN" sz="1200" dirty="0"/>
                       <a:t>Partition1</a:t>
                     </a:r>
-                    <a:endParaRPr lang="en-US" altLang="zh-CN" sz="1200" dirty="0"/>
                   </a:p>
                 </p:txBody>
               </p:sp>
@@ -4671,7 +4643,7 @@
                   <a:lstStyle/>
                   <a:p>
                     <a:r>
-                      <a:rPr lang="en-US" altLang="zh-CN" sz="1400" dirty="0" smtClean="0"/>
+                      <a:rPr lang="en-US" altLang="zh-CN" sz="1400" dirty="0"/>
                       <a:t>Topic1</a:t>
                     </a:r>
                   </a:p>
@@ -4700,7 +4672,7 @@
                   <a:lstStyle/>
                   <a:p>
                     <a:r>
-                      <a:rPr lang="en-US" altLang="zh-CN" sz="1400" dirty="0" smtClean="0"/>
+                      <a:rPr lang="en-US" altLang="zh-CN" sz="1400" dirty="0"/>
                       <a:t>Topic2</a:t>
                     </a:r>
                   </a:p>
@@ -4730,7 +4702,7 @@
                 <a:lstStyle/>
                 <a:p>
                   <a:r>
-                    <a:rPr lang="en-US" altLang="zh-CN" sz="1400" dirty="0" smtClean="0">
+                    <a:rPr lang="en-US" altLang="zh-CN" sz="1400" dirty="0">
                       <a:solidFill>
                         <a:srgbClr val="FF0000"/>
                       </a:solidFill>
@@ -4795,7 +4767,7 @@
                 <a:p>
                   <a:pPr algn="ctr"/>
                   <a:r>
-                    <a:rPr lang="en-US" altLang="zh-CN" sz="1600" dirty="0" smtClean="0"/>
+                    <a:rPr lang="en-US" altLang="zh-CN" sz="1600" dirty="0"/>
                     <a:t>Broker4</a:t>
                   </a:r>
                   <a:endParaRPr lang="zh-CN" altLang="en-US" sz="1600" dirty="0"/>
@@ -4858,10 +4830,9 @@
                   <a:lstStyle/>
                   <a:p>
                     <a:r>
-                      <a:rPr lang="en-US" altLang="zh-CN" sz="1200" dirty="0" smtClean="0"/>
+                      <a:rPr lang="en-US" altLang="zh-CN" sz="1200" dirty="0"/>
                       <a:t>Partition1</a:t>
                     </a:r>
-                    <a:endParaRPr lang="en-US" altLang="zh-CN" sz="1200" dirty="0"/>
                   </a:p>
                 </p:txBody>
               </p:sp>
@@ -4907,10 +4878,9 @@
                   <a:lstStyle/>
                   <a:p>
                     <a:r>
-                      <a:rPr lang="en-US" altLang="zh-CN" sz="1200" dirty="0" smtClean="0"/>
+                      <a:rPr lang="en-US" altLang="zh-CN" sz="1200" dirty="0"/>
                       <a:t>Partition1</a:t>
                     </a:r>
-                    <a:endParaRPr lang="en-US" altLang="zh-CN" sz="1200" dirty="0"/>
                   </a:p>
                 </p:txBody>
               </p:sp>
@@ -4937,7 +4907,7 @@
                   <a:lstStyle/>
                   <a:p>
                     <a:r>
-                      <a:rPr lang="en-US" altLang="zh-CN" sz="1400" dirty="0" smtClean="0"/>
+                      <a:rPr lang="en-US" altLang="zh-CN" sz="1400" dirty="0"/>
                       <a:t>Topic1</a:t>
                     </a:r>
                   </a:p>
@@ -4966,7 +4936,7 @@
                   <a:lstStyle/>
                   <a:p>
                     <a:r>
-                      <a:rPr lang="en-US" altLang="zh-CN" sz="1400" dirty="0" smtClean="0"/>
+                      <a:rPr lang="en-US" altLang="zh-CN" sz="1400" dirty="0"/>
                       <a:t>Topic2</a:t>
                     </a:r>
                   </a:p>
@@ -4996,7 +4966,7 @@
                 <a:lstStyle/>
                 <a:p>
                   <a:r>
-                    <a:rPr lang="en-US" altLang="zh-CN" sz="1400" dirty="0" smtClean="0">
+                    <a:rPr lang="en-US" altLang="zh-CN" sz="1400" dirty="0">
                       <a:solidFill>
                         <a:srgbClr val="FF0000"/>
                       </a:solidFill>
@@ -5017,6 +4987,7 @@
           <p:nvCxnSpPr>
             <p:cNvPr id="49" name="直接箭头连接符 48"/>
             <p:cNvCxnSpPr>
+              <a:cxnSpLocks/>
               <a:stCxn id="19" idx="2"/>
               <a:endCxn id="4" idx="0"/>
             </p:cNvCxnSpPr>
@@ -5024,8 +4995,8 @@
           </p:nvCxnSpPr>
           <p:spPr>
             <a:xfrm flipH="1">
-              <a:off x="2762487" y="2777509"/>
-              <a:ext cx="1973067" cy="2028913"/>
+              <a:off x="2754750" y="2777509"/>
+              <a:ext cx="1980804" cy="2023811"/>
             </a:xfrm>
             <a:prstGeom prst="straightConnector1">
               <a:avLst/>
@@ -5053,6 +5024,7 @@
           <p:nvCxnSpPr>
             <p:cNvPr id="56" name="直接箭头连接符 55"/>
             <p:cNvCxnSpPr>
+              <a:cxnSpLocks/>
               <a:stCxn id="9" idx="2"/>
               <a:endCxn id="59" idx="0"/>
             </p:cNvCxnSpPr>
@@ -5061,7 +5033,7 @@
           <p:spPr>
             <a:xfrm>
               <a:off x="1989923" y="3300050"/>
-              <a:ext cx="6355598" cy="1489742"/>
+              <a:ext cx="6368270" cy="1489742"/>
             </a:xfrm>
             <a:prstGeom prst="straightConnector1">
               <a:avLst/>
@@ -5089,6 +5061,7 @@
           <p:nvCxnSpPr>
             <p:cNvPr id="65" name="直接箭头连接符 64"/>
             <p:cNvCxnSpPr>
+              <a:cxnSpLocks/>
               <a:stCxn id="27" idx="2"/>
               <a:endCxn id="6" idx="0"/>
             </p:cNvCxnSpPr>
@@ -5096,8 +5069,8 @@
           </p:nvCxnSpPr>
           <p:spPr>
             <a:xfrm flipH="1">
-              <a:off x="3891235" y="2777509"/>
-              <a:ext cx="3584209" cy="2017692"/>
+              <a:off x="3913613" y="2777509"/>
+              <a:ext cx="3561831" cy="2017692"/>
             </a:xfrm>
             <a:prstGeom prst="straightConnector1">
               <a:avLst/>
@@ -5125,14 +5098,15 @@
           <p:nvCxnSpPr>
             <p:cNvPr id="67" name="直接箭头连接符 66"/>
             <p:cNvCxnSpPr>
+              <a:cxnSpLocks/>
               <a:endCxn id="60" idx="0"/>
             </p:cNvCxnSpPr>
             <p:nvPr/>
           </p:nvCxnSpPr>
           <p:spPr>
             <a:xfrm flipH="1">
-              <a:off x="9474269" y="3324573"/>
-              <a:ext cx="781175" cy="1453998"/>
+              <a:off x="9461597" y="3324573"/>
+              <a:ext cx="793848" cy="1453998"/>
             </a:xfrm>
             <a:prstGeom prst="straightConnector1">
               <a:avLst/>
@@ -5193,7 +5167,7 @@
             <a:p>
               <a:pPr algn="ctr"/>
               <a:r>
-                <a:rPr lang="en-US" altLang="zh-CN" b="1" dirty="0" smtClean="0">
+                <a:rPr lang="en-US" altLang="zh-CN" b="1" dirty="0">
                   <a:ln w="0"/>
                   <a:solidFill>
                     <a:schemeClr val="bg1"/>
@@ -5411,7 +5385,7 @@
             <a:lstStyle/>
             <a:p>
               <a:r>
-                <a:rPr lang="en-US" altLang="zh-CN" sz="1200" dirty="0" smtClean="0"/>
+                <a:rPr lang="en-US" altLang="zh-CN" sz="1200" dirty="0"/>
                 <a:t>push – topic1, partition1</a:t>
               </a:r>
               <a:endParaRPr lang="zh-CN" altLang="en-US" sz="1200" dirty="0"/>
@@ -5441,7 +5415,7 @@
             <a:lstStyle/>
             <a:p>
               <a:r>
-                <a:rPr lang="en-US" altLang="zh-CN" sz="1200" dirty="0" smtClean="0"/>
+                <a:rPr lang="en-US" altLang="zh-CN" sz="1200" dirty="0"/>
                 <a:t>push – topic1, partition0</a:t>
               </a:r>
               <a:endParaRPr lang="zh-CN" altLang="en-US" sz="1200" dirty="0"/>
@@ -5643,7 +5617,7 @@
             <a:lstStyle/>
             <a:p>
               <a:r>
-                <a:rPr lang="en-US" altLang="zh-CN" sz="1200" dirty="0" smtClean="0"/>
+                <a:rPr lang="en-US" altLang="zh-CN" sz="1200" dirty="0"/>
                 <a:t>push – topic2, partition1</a:t>
               </a:r>
               <a:endParaRPr lang="zh-CN" altLang="en-US" sz="1200" dirty="0"/>
@@ -5673,7 +5647,7 @@
             <a:lstStyle/>
             <a:p>
               <a:r>
-                <a:rPr lang="en-US" altLang="zh-CN" sz="1200" dirty="0" smtClean="0"/>
+                <a:rPr lang="en-US" altLang="zh-CN" sz="1200" dirty="0"/>
                 <a:t>push – topic2, partition0</a:t>
               </a:r>
               <a:endParaRPr lang="zh-CN" altLang="en-US" sz="1200" dirty="0"/>
@@ -5703,7 +5677,7 @@
             <a:lstStyle/>
             <a:p>
               <a:r>
-                <a:rPr lang="en-US" altLang="zh-CN" sz="1200" dirty="0" smtClean="0"/>
+                <a:rPr lang="en-US" altLang="zh-CN" sz="1200" dirty="0"/>
                 <a:t>poll – topic2, partition1</a:t>
               </a:r>
               <a:endParaRPr lang="zh-CN" altLang="en-US" sz="1200" dirty="0"/>
@@ -5733,7 +5707,7 @@
             <a:lstStyle/>
             <a:p>
               <a:r>
-                <a:rPr lang="en-US" altLang="zh-CN" sz="1200" dirty="0" smtClean="0"/>
+                <a:rPr lang="en-US" altLang="zh-CN" sz="1200" dirty="0"/>
                 <a:t>poll – topic2, partition0</a:t>
               </a:r>
               <a:endParaRPr lang="zh-CN" altLang="en-US" sz="1200" dirty="0"/>
@@ -5763,7 +5737,7 @@
             <a:lstStyle/>
             <a:p>
               <a:r>
-                <a:rPr lang="en-US" altLang="zh-CN" sz="1200" dirty="0" smtClean="0"/>
+                <a:rPr lang="en-US" altLang="zh-CN" sz="1200" dirty="0"/>
                 <a:t>poll – topic1, partition0</a:t>
               </a:r>
               <a:endParaRPr lang="zh-CN" altLang="en-US" sz="1200" dirty="0"/>
@@ -5793,7 +5767,7 @@
             <a:lstStyle/>
             <a:p>
               <a:r>
-                <a:rPr lang="en-US" altLang="zh-CN" sz="1200" dirty="0" smtClean="0"/>
+                <a:rPr lang="en-US" altLang="zh-CN" sz="1200" dirty="0"/>
                 <a:t>poll – topic1, partition1</a:t>
               </a:r>
               <a:endParaRPr lang="zh-CN" altLang="en-US" sz="1200" dirty="0"/>
@@ -5811,13 +5785,6 @@
   <p:clrMapOvr>
     <a:masterClrMapping/>
   </p:clrMapOvr>
-  <p:timing>
-    <p:tnLst>
-      <p:par>
-        <p:cTn id="1" dur="indefinite" restart="never" nodeType="tmRoot"/>
-      </p:par>
-    </p:tnLst>
-  </p:timing>
 </p:sld>
 </file>
 
@@ -5916,18 +5883,13 @@
                 <a:p>
                   <a:pPr algn="ctr"/>
                   <a:r>
-                    <a:rPr lang="en-US" altLang="zh-CN" dirty="0" smtClean="0">
+                    <a:rPr lang="en-US" altLang="zh-CN" dirty="0">
                       <a:solidFill>
                         <a:schemeClr val="tx1"/>
                       </a:solidFill>
                     </a:rPr>
                     <a:t>Partition1</a:t>
                   </a:r>
-                  <a:endParaRPr lang="en-US" altLang="zh-CN" dirty="0">
-                    <a:solidFill>
-                      <a:schemeClr val="tx1"/>
-                    </a:solidFill>
-                  </a:endParaRPr>
                 </a:p>
               </p:txBody>
             </p:sp>
@@ -6021,7 +5983,7 @@
                   <a:p>
                     <a:pPr algn="ctr"/>
                     <a:r>
-                      <a:rPr lang="en-US" altLang="zh-CN" dirty="0" smtClean="0"/>
+                      <a:rPr lang="en-US" altLang="zh-CN" dirty="0"/>
                       <a:t>Segment</a:t>
                     </a:r>
                     <a:endParaRPr lang="zh-CN" altLang="en-US" dirty="0"/>
@@ -6063,7 +6025,7 @@
                   <a:p>
                     <a:pPr algn="ctr"/>
                     <a:r>
-                      <a:rPr lang="en-US" altLang="zh-CN" dirty="0" smtClean="0"/>
+                      <a:rPr lang="en-US" altLang="zh-CN" dirty="0"/>
                       <a:t>Index</a:t>
                     </a:r>
                     <a:endParaRPr lang="zh-CN" altLang="en-US" dirty="0"/>
@@ -6158,7 +6120,7 @@
                 <a:p>
                   <a:pPr algn="ctr"/>
                   <a:r>
-                    <a:rPr lang="en-US" altLang="zh-CN" dirty="0" err="1" smtClean="0">
+                    <a:rPr lang="en-US" altLang="zh-CN" dirty="0" err="1">
                       <a:solidFill>
                         <a:schemeClr val="tx1"/>
                       </a:solidFill>
@@ -6263,7 +6225,7 @@
                   <a:p>
                     <a:pPr algn="ctr"/>
                     <a:r>
-                      <a:rPr lang="en-US" altLang="zh-CN" dirty="0" smtClean="0"/>
+                      <a:rPr lang="en-US" altLang="zh-CN" dirty="0"/>
                       <a:t>Segment</a:t>
                     </a:r>
                     <a:endParaRPr lang="zh-CN" altLang="en-US" dirty="0"/>
@@ -6305,7 +6267,7 @@
                   <a:p>
                     <a:pPr algn="ctr"/>
                     <a:r>
-                      <a:rPr lang="en-US" altLang="zh-CN" dirty="0" smtClean="0"/>
+                      <a:rPr lang="en-US" altLang="zh-CN" dirty="0"/>
                       <a:t>Index</a:t>
                     </a:r>
                     <a:endParaRPr lang="zh-CN" altLang="en-US" dirty="0"/>
@@ -6385,7 +6347,7 @@
               <a:p>
                 <a:pPr algn="ctr"/>
                 <a:r>
-                  <a:rPr lang="en-US" altLang="zh-CN" b="1" dirty="0" smtClean="0"/>
+                  <a:rPr lang="en-US" altLang="zh-CN" b="1" dirty="0"/>
                   <a:t>Topic1</a:t>
                 </a:r>
                 <a:endParaRPr lang="zh-CN" altLang="en-US" b="1" dirty="0"/>
@@ -6529,18 +6491,13 @@
                 <a:p>
                   <a:pPr algn="ctr"/>
                   <a:r>
-                    <a:rPr lang="en-US" altLang="zh-CN" dirty="0" smtClean="0">
+                    <a:rPr lang="en-US" altLang="zh-CN" dirty="0">
                       <a:solidFill>
                         <a:schemeClr val="tx1"/>
                       </a:solidFill>
                     </a:rPr>
                     <a:t>Partition1</a:t>
                   </a:r>
-                  <a:endParaRPr lang="en-US" altLang="zh-CN" dirty="0">
-                    <a:solidFill>
-                      <a:schemeClr val="tx1"/>
-                    </a:solidFill>
-                  </a:endParaRPr>
                 </a:p>
               </p:txBody>
             </p:sp>
@@ -6634,7 +6591,7 @@
                   <a:p>
                     <a:pPr algn="ctr"/>
                     <a:r>
-                      <a:rPr lang="en-US" altLang="zh-CN" dirty="0" smtClean="0"/>
+                      <a:rPr lang="en-US" altLang="zh-CN" dirty="0"/>
                       <a:t>Segment</a:t>
                     </a:r>
                     <a:endParaRPr lang="zh-CN" altLang="en-US" dirty="0"/>
@@ -6676,7 +6633,7 @@
                   <a:p>
                     <a:pPr algn="ctr"/>
                     <a:r>
-                      <a:rPr lang="en-US" altLang="zh-CN" dirty="0" smtClean="0"/>
+                      <a:rPr lang="en-US" altLang="zh-CN" dirty="0"/>
                       <a:t>Index</a:t>
                     </a:r>
                     <a:endParaRPr lang="zh-CN" altLang="en-US" dirty="0"/>
@@ -6771,7 +6728,7 @@
                 <a:p>
                   <a:pPr algn="ctr"/>
                   <a:r>
-                    <a:rPr lang="en-US" altLang="zh-CN" dirty="0" err="1" smtClean="0">
+                    <a:rPr lang="en-US" altLang="zh-CN" dirty="0" err="1">
                       <a:solidFill>
                         <a:schemeClr val="tx1"/>
                       </a:solidFill>
@@ -6876,7 +6833,7 @@
                   <a:p>
                     <a:pPr algn="ctr"/>
                     <a:r>
-                      <a:rPr lang="en-US" altLang="zh-CN" dirty="0" smtClean="0"/>
+                      <a:rPr lang="en-US" altLang="zh-CN" dirty="0"/>
                       <a:t>Segment</a:t>
                     </a:r>
                     <a:endParaRPr lang="zh-CN" altLang="en-US" dirty="0"/>
@@ -6918,7 +6875,7 @@
                   <a:p>
                     <a:pPr algn="ctr"/>
                     <a:r>
-                      <a:rPr lang="en-US" altLang="zh-CN" dirty="0" smtClean="0"/>
+                      <a:rPr lang="en-US" altLang="zh-CN" dirty="0"/>
                       <a:t>Index</a:t>
                     </a:r>
                     <a:endParaRPr lang="zh-CN" altLang="en-US" dirty="0"/>
@@ -6998,10 +6955,10 @@
               <a:p>
                 <a:pPr algn="ctr"/>
                 <a:r>
-                  <a:rPr lang="en-US" altLang="zh-CN" b="1" dirty="0" err="1" smtClean="0"/>
+                  <a:rPr lang="en-US" altLang="zh-CN" b="1" dirty="0" err="1"/>
                   <a:t>TopicN</a:t>
                 </a:r>
-                <a:endParaRPr lang="en-US" altLang="zh-CN" b="1" dirty="0" smtClean="0"/>
+                <a:endParaRPr lang="en-US" altLang="zh-CN" b="1" dirty="0"/>
               </a:p>
             </p:txBody>
           </p:sp>
@@ -7089,13 +7046,6 @@
   <p:clrMapOvr>
     <a:masterClrMapping/>
   </p:clrMapOvr>
-  <p:timing>
-    <p:tnLst>
-      <p:par>
-        <p:cTn id="1" dur="indefinite" restart="never" nodeType="tmRoot"/>
-      </p:par>
-    </p:tnLst>
-  </p:timing>
 </p:sld>
 </file>
 
